--- a/poster.pptx
+++ b/poster.pptx
@@ -4016,14 +4016,7 @@
                 <a:latin typeface="Arial"/>
                 <a:cs typeface="Arial"/>
               </a:rPr>
-              <a:t>Latest </a:t>
-            </a:r>
-            <a:r>
-              <a:rPr lang="en-US" sz="3200" dirty="0" smtClean="0">
-                <a:latin typeface="Arial"/>
-                <a:cs typeface="Arial"/>
-              </a:rPr>
-              <a:t>release: </a:t>
+              <a:t>Latest release: </a:t>
             </a:r>
             <a:r>
               <a:rPr lang="en-US" sz="3200" dirty="0" smtClean="0">
@@ -4917,28 +4910,7 @@
                 <a:latin typeface="Arial"/>
                 <a:cs typeface="Arial"/>
               </a:rPr>
-              <a:t>, cell temperature, </a:t>
-            </a:r>
-            <a:r>
-              <a:rPr lang="en-US" sz="2800" dirty="0" smtClean="0">
-                <a:latin typeface="Arial"/>
-                <a:cs typeface="Arial"/>
-              </a:rPr>
-              <a:t>module </a:t>
-            </a:r>
-            <a:r>
-              <a:rPr lang="en-US" sz="2800" dirty="0" smtClean="0">
-                <a:latin typeface="Arial"/>
-                <a:cs typeface="Arial"/>
-              </a:rPr>
-              <a:t>temperature, and finally run the Sandia Array Performance Model in 9 lines of code. Detailed simulation parameters may be found </a:t>
-            </a:r>
-            <a:r>
-              <a:rPr lang="en-US" sz="2800" dirty="0" smtClean="0">
-                <a:latin typeface="Arial"/>
-                <a:cs typeface="Arial"/>
-              </a:rPr>
-              <a:t>at this poster’s </a:t>
+              <a:t>, cell temperature, module temperature, and finally run the Sandia Array Performance Model in 9 lines of code. Detailed simulation parameters may be found at this poster’s </a:t>
             </a:r>
             <a:r>
               <a:rPr lang="en-US" sz="2800" dirty="0" err="1" smtClean="0">
@@ -5029,14 +5001,7 @@
                 <a:latin typeface="Arial"/>
                 <a:cs typeface="Arial"/>
               </a:rPr>
-              <a:t>Fig. </a:t>
-            </a:r>
-            <a:r>
-              <a:rPr lang="en-US" sz="2800" b="1" dirty="0" smtClean="0">
-                <a:latin typeface="Arial"/>
-                <a:cs typeface="Arial"/>
-              </a:rPr>
-              <a:t>3: </a:t>
+              <a:t>Fig. 3: </a:t>
             </a:r>
             <a:r>
               <a:rPr lang="en-US" sz="2800" dirty="0" smtClean="0">
@@ -5125,35 +5090,35 @@
                 <a:latin typeface="Arial"/>
                 <a:cs typeface="Arial"/>
               </a:rPr>
-              <a:t>Fig. </a:t>
-            </a:r>
-            <a:r>
-              <a:rPr lang="en-US" sz="2800" b="1" dirty="0" smtClean="0">
-                <a:latin typeface="Arial"/>
-                <a:cs typeface="Arial"/>
-              </a:rPr>
-              <a:t>2: </a:t>
+              <a:t>Fig. 2: </a:t>
             </a:r>
             <a:r>
               <a:rPr lang="en-US" sz="2800" dirty="0" smtClean="0">
                 <a:latin typeface="Arial"/>
                 <a:cs typeface="Arial"/>
               </a:rPr>
-              <a:t>IV curves at different times using the same parameters as Fig. 1</a:t>
+              <a:t>IV curves at different times using the same parameters as Fig. 1. Points represent the 5 points of the SAPM: </a:t>
+            </a:r>
+            <a:r>
+              <a:rPr lang="en-US" sz="2800" dirty="0" err="1" smtClean="0">
+                <a:latin typeface="Arial"/>
+                <a:cs typeface="Arial"/>
+              </a:rPr>
+              <a:t>Isc</a:t>
             </a:r>
             <a:r>
               <a:rPr lang="en-US" sz="2800" dirty="0" smtClean="0">
                 <a:latin typeface="Arial"/>
                 <a:cs typeface="Arial"/>
               </a:rPr>
-              <a:t>. Points represent the 5 points of the SAPM: </a:t>
+              <a:t>, </a:t>
             </a:r>
             <a:r>
               <a:rPr lang="en-US" sz="2800" dirty="0" err="1" smtClean="0">
                 <a:latin typeface="Arial"/>
                 <a:cs typeface="Arial"/>
               </a:rPr>
-              <a:t>Isc</a:t>
+              <a:t>Voc</a:t>
             </a:r>
             <a:r>
               <a:rPr lang="en-US" sz="2800" dirty="0" smtClean="0">
@@ -5167,7 +5132,7 @@
                 <a:latin typeface="Arial"/>
                 <a:cs typeface="Arial"/>
               </a:rPr>
-              <a:t>Voc</a:t>
+              <a:t>Pmp</a:t>
             </a:r>
             <a:r>
               <a:rPr lang="en-US" sz="2800" dirty="0" smtClean="0">
@@ -5177,18 +5142,18 @@
               <a:t>, </a:t>
             </a:r>
             <a:r>
-              <a:rPr lang="en-US" sz="2800" dirty="0" err="1" smtClean="0">
-                <a:latin typeface="Arial"/>
-                <a:cs typeface="Arial"/>
-              </a:rPr>
-              <a:t>Pmp</a:t>
-            </a:r>
-            <a:r>
-              <a:rPr lang="en-US" sz="2800" dirty="0" smtClean="0">
-                <a:latin typeface="Arial"/>
-                <a:cs typeface="Arial"/>
-              </a:rPr>
-              <a:t>, Ix, </a:t>
+              <a:rPr lang="en-US" sz="2800" smtClean="0">
+                <a:latin typeface="Arial"/>
+                <a:cs typeface="Arial"/>
+              </a:rPr>
+              <a:t>Ix</a:t>
+            </a:r>
+            <a:r>
+              <a:rPr lang="en-US" sz="2800" smtClean="0">
+                <a:latin typeface="Arial"/>
+                <a:cs typeface="Arial"/>
+              </a:rPr>
+              <a:t>, and </a:t>
             </a:r>
             <a:r>
               <a:rPr lang="en-US" sz="2800" dirty="0" err="1" smtClean="0">
